--- a/Reservation/영화 예매 시스템.pptx
+++ b/Reservation/영화 예매 시스템.pptx
@@ -313,7 +313,7 @@
           <a:p>
             <a:fld id="{3AD8EB7C-885D-4E9D-918A-DBFBAA71262F}" type="datetimeFigureOut">
               <a:rPr lang="ko-KR" altLang="en-US" smtClean="0"/>
-              <a:t>2018-11-20</a:t>
+              <a:t>2018-11-28</a:t>
             </a:fld>
             <a:endParaRPr lang="ko-KR" altLang="en-US"/>
           </a:p>
@@ -478,7 +478,7 @@
           <a:p>
             <a:fld id="{3AD8EB7C-885D-4E9D-918A-DBFBAA71262F}" type="datetimeFigureOut">
               <a:rPr lang="ko-KR" altLang="en-US" smtClean="0"/>
-              <a:t>2018-11-20</a:t>
+              <a:t>2018-11-28</a:t>
             </a:fld>
             <a:endParaRPr lang="ko-KR" altLang="en-US"/>
           </a:p>
@@ -653,7 +653,7 @@
           <a:p>
             <a:fld id="{3AD8EB7C-885D-4E9D-918A-DBFBAA71262F}" type="datetimeFigureOut">
               <a:rPr lang="ko-KR" altLang="en-US" smtClean="0"/>
-              <a:t>2018-11-20</a:t>
+              <a:t>2018-11-28</a:t>
             </a:fld>
             <a:endParaRPr lang="ko-KR" altLang="en-US"/>
           </a:p>
@@ -818,7 +818,7 @@
           <a:p>
             <a:fld id="{3AD8EB7C-885D-4E9D-918A-DBFBAA71262F}" type="datetimeFigureOut">
               <a:rPr lang="ko-KR" altLang="en-US" smtClean="0"/>
-              <a:t>2018-11-20</a:t>
+              <a:t>2018-11-28</a:t>
             </a:fld>
             <a:endParaRPr lang="ko-KR" altLang="en-US"/>
           </a:p>
@@ -1059,7 +1059,7 @@
           <a:p>
             <a:fld id="{3AD8EB7C-885D-4E9D-918A-DBFBAA71262F}" type="datetimeFigureOut">
               <a:rPr lang="ko-KR" altLang="en-US" smtClean="0"/>
-              <a:t>2018-11-20</a:t>
+              <a:t>2018-11-28</a:t>
             </a:fld>
             <a:endParaRPr lang="ko-KR" altLang="en-US"/>
           </a:p>
@@ -1342,7 +1342,7 @@
           <a:p>
             <a:fld id="{3AD8EB7C-885D-4E9D-918A-DBFBAA71262F}" type="datetimeFigureOut">
               <a:rPr lang="ko-KR" altLang="en-US" smtClean="0"/>
-              <a:t>2018-11-20</a:t>
+              <a:t>2018-11-28</a:t>
             </a:fld>
             <a:endParaRPr lang="ko-KR" altLang="en-US"/>
           </a:p>
@@ -1759,7 +1759,7 @@
           <a:p>
             <a:fld id="{3AD8EB7C-885D-4E9D-918A-DBFBAA71262F}" type="datetimeFigureOut">
               <a:rPr lang="ko-KR" altLang="en-US" smtClean="0"/>
-              <a:t>2018-11-20</a:t>
+              <a:t>2018-11-28</a:t>
             </a:fld>
             <a:endParaRPr lang="ko-KR" altLang="en-US"/>
           </a:p>
@@ -1872,7 +1872,7 @@
           <a:p>
             <a:fld id="{3AD8EB7C-885D-4E9D-918A-DBFBAA71262F}" type="datetimeFigureOut">
               <a:rPr lang="ko-KR" altLang="en-US" smtClean="0"/>
-              <a:t>2018-11-20</a:t>
+              <a:t>2018-11-28</a:t>
             </a:fld>
             <a:endParaRPr lang="ko-KR" altLang="en-US"/>
           </a:p>
@@ -1962,7 +1962,7 @@
           <a:p>
             <a:fld id="{3AD8EB7C-885D-4E9D-918A-DBFBAA71262F}" type="datetimeFigureOut">
               <a:rPr lang="ko-KR" altLang="en-US" smtClean="0"/>
-              <a:t>2018-11-20</a:t>
+              <a:t>2018-11-28</a:t>
             </a:fld>
             <a:endParaRPr lang="ko-KR" altLang="en-US"/>
           </a:p>
@@ -2234,7 +2234,7 @@
           <a:p>
             <a:fld id="{3AD8EB7C-885D-4E9D-918A-DBFBAA71262F}" type="datetimeFigureOut">
               <a:rPr lang="ko-KR" altLang="en-US" smtClean="0"/>
-              <a:t>2018-11-20</a:t>
+              <a:t>2018-11-28</a:t>
             </a:fld>
             <a:endParaRPr lang="ko-KR" altLang="en-US"/>
           </a:p>
@@ -2482,7 +2482,7 @@
           <a:p>
             <a:fld id="{3AD8EB7C-885D-4E9D-918A-DBFBAA71262F}" type="datetimeFigureOut">
               <a:rPr lang="ko-KR" altLang="en-US" smtClean="0"/>
-              <a:t>2018-11-20</a:t>
+              <a:t>2018-11-28</a:t>
             </a:fld>
             <a:endParaRPr lang="ko-KR" altLang="en-US"/>
           </a:p>
@@ -2690,7 +2690,7 @@
           <a:p>
             <a:fld id="{3AD8EB7C-885D-4E9D-918A-DBFBAA71262F}" type="datetimeFigureOut">
               <a:rPr lang="ko-KR" altLang="en-US" smtClean="0"/>
-              <a:t>2018-11-20</a:t>
+              <a:t>2018-11-28</a:t>
             </a:fld>
             <a:endParaRPr lang="ko-KR" altLang="en-US"/>
           </a:p>
@@ -4958,7 +4958,65 @@
           <a:bodyPr/>
           <a:lstStyle/>
           <a:p>
-            <a:endParaRPr lang="ko-KR" altLang="en-US"/>
+            <a:pPr marL="514350" indent="-514350">
+              <a:buAutoNum type="arabicPeriod"/>
+            </a:pPr>
+            <a:r>
+              <a:rPr lang="ko-KR" altLang="en-US" dirty="0" smtClean="0"/>
+              <a:t>슬라이더와 상영 영화의 정보를 보여줍니다</a:t>
+            </a:r>
+            <a:r>
+              <a:rPr lang="en-US" altLang="ko-KR" dirty="0" smtClean="0"/>
+              <a:t>.</a:t>
+            </a:r>
+          </a:p>
+          <a:p>
+            <a:pPr marL="514350" indent="-514350">
+              <a:buAutoNum type="arabicPeriod"/>
+            </a:pPr>
+            <a:r>
+              <a:rPr lang="ko-KR" altLang="en-US" dirty="0" smtClean="0"/>
+              <a:t>탭 </a:t>
+            </a:r>
+            <a:r>
+              <a:rPr lang="en-US" altLang="ko-KR" dirty="0" smtClean="0"/>
+              <a:t>UI</a:t>
+            </a:r>
+            <a:r>
+              <a:rPr lang="ko-KR" altLang="en-US" dirty="0" smtClean="0"/>
+              <a:t>를 통해서 상영 및 개봉 예정 </a:t>
+            </a:r>
+            <a:r>
+              <a:rPr lang="ko-KR" altLang="en-US" dirty="0" err="1" smtClean="0"/>
+              <a:t>영화등의</a:t>
+            </a:r>
+            <a:r>
+              <a:rPr lang="ko-KR" altLang="en-US" dirty="0" smtClean="0"/>
+              <a:t> 정보가 바뀔 수 있습니다</a:t>
+            </a:r>
+            <a:r>
+              <a:rPr lang="en-US" altLang="ko-KR" dirty="0" smtClean="0"/>
+              <a:t>.</a:t>
+            </a:r>
+          </a:p>
+          <a:p>
+            <a:pPr marL="514350" indent="-514350">
+              <a:buAutoNum type="arabicPeriod"/>
+            </a:pPr>
+            <a:r>
+              <a:rPr lang="ko-KR" altLang="en-US" dirty="0" smtClean="0"/>
+              <a:t>정렬도 바뀔 수 있습니다</a:t>
+            </a:r>
+            <a:r>
+              <a:rPr lang="en-US" altLang="ko-KR" dirty="0" smtClean="0"/>
+              <a:t>.</a:t>
+            </a:r>
+          </a:p>
+          <a:p>
+            <a:pPr marL="0" indent="0">
+              <a:buNone/>
+            </a:pPr>
+            <a:endParaRPr lang="ko-KR" altLang="en-US" dirty="0"/>
           </a:p>
         </p:txBody>
       </p:sp>
